--- a/docs/手写数字识别模型在Android端的部署_研发二部_王玉.pptx
+++ b/docs/手写数字识别模型在Android端的部署_研发二部_王玉.pptx
@@ -253,7 +253,7 @@
           <a:p>
             <a:fld id="{9936A364-F56D-418B-92EA-B8A9C286C719}" type="datetimeFigureOut">
               <a:rPr lang="zh-CN" altLang="en-US" smtClean="0"/>
-              <a:t>2020/9/22</a:t>
+              <a:t>2020/9/23</a:t>
             </a:fld>
             <a:endParaRPr lang="zh-CN" altLang="en-US"/>
           </a:p>
@@ -861,7 +861,7 @@
           <a:p>
             <a:fld id="{824AF190-E6C3-4F71-9AD4-820770AEF1A8}" type="datetimeFigureOut">
               <a:rPr lang="zh-CN" altLang="en-US" smtClean="0"/>
-              <a:t>2020/9/22</a:t>
+              <a:t>2020/9/23</a:t>
             </a:fld>
             <a:endParaRPr lang="zh-CN" altLang="en-US"/>
           </a:p>
@@ -1053,7 +1053,7 @@
           <a:p>
             <a:fld id="{824AF190-E6C3-4F71-9AD4-820770AEF1A8}" type="datetimeFigureOut">
               <a:rPr lang="zh-CN" altLang="en-US" smtClean="0"/>
-              <a:t>2020/9/22</a:t>
+              <a:t>2020/9/23</a:t>
             </a:fld>
             <a:endParaRPr lang="zh-CN" altLang="en-US"/>
           </a:p>
@@ -1235,7 +1235,7 @@
           <a:p>
             <a:fld id="{824AF190-E6C3-4F71-9AD4-820770AEF1A8}" type="datetimeFigureOut">
               <a:rPr lang="zh-CN" altLang="en-US" smtClean="0"/>
-              <a:t>2020/9/22</a:t>
+              <a:t>2020/9/23</a:t>
             </a:fld>
             <a:endParaRPr lang="zh-CN" altLang="en-US"/>
           </a:p>
@@ -1500,7 +1500,7 @@
           <a:p>
             <a:fld id="{824AF190-E6C3-4F71-9AD4-820770AEF1A8}" type="datetimeFigureOut">
               <a:rPr lang="zh-CN" altLang="en-US" smtClean="0"/>
-              <a:t>2020/9/22</a:t>
+              <a:t>2020/9/23</a:t>
             </a:fld>
             <a:endParaRPr lang="zh-CN" altLang="en-US"/>
           </a:p>
@@ -1800,7 +1800,7 @@
           <a:p>
             <a:fld id="{824AF190-E6C3-4F71-9AD4-820770AEF1A8}" type="datetimeFigureOut">
               <a:rPr lang="zh-CN" altLang="en-US" smtClean="0"/>
-              <a:t>2020/9/22</a:t>
+              <a:t>2020/9/23</a:t>
             </a:fld>
             <a:endParaRPr lang="zh-CN" altLang="en-US"/>
           </a:p>
@@ -2239,7 +2239,7 @@
           <a:p>
             <a:fld id="{824AF190-E6C3-4F71-9AD4-820770AEF1A8}" type="datetimeFigureOut">
               <a:rPr lang="zh-CN" altLang="en-US" smtClean="0"/>
-              <a:t>2020/9/22</a:t>
+              <a:t>2020/9/23</a:t>
             </a:fld>
             <a:endParaRPr lang="zh-CN" altLang="en-US"/>
           </a:p>
@@ -2369,7 +2369,7 @@
           <a:p>
             <a:fld id="{824AF190-E6C3-4F71-9AD4-820770AEF1A8}" type="datetimeFigureOut">
               <a:rPr lang="zh-CN" altLang="en-US" smtClean="0"/>
-              <a:t>2020/9/22</a:t>
+              <a:t>2020/9/23</a:t>
             </a:fld>
             <a:endParaRPr lang="zh-CN" altLang="en-US"/>
           </a:p>
@@ -2476,7 +2476,7 @@
           <a:p>
             <a:fld id="{824AF190-E6C3-4F71-9AD4-820770AEF1A8}" type="datetimeFigureOut">
               <a:rPr lang="zh-CN" altLang="en-US" smtClean="0"/>
-              <a:t>2020/9/22</a:t>
+              <a:t>2020/9/23</a:t>
             </a:fld>
             <a:endParaRPr lang="zh-CN" altLang="en-US"/>
           </a:p>
@@ -2772,7 +2772,7 @@
           <a:p>
             <a:fld id="{824AF190-E6C3-4F71-9AD4-820770AEF1A8}" type="datetimeFigureOut">
               <a:rPr lang="zh-CN" altLang="en-US" smtClean="0"/>
-              <a:t>2020/9/22</a:t>
+              <a:t>2020/9/23</a:t>
             </a:fld>
             <a:endParaRPr lang="zh-CN" altLang="en-US"/>
           </a:p>
@@ -3037,7 +3037,7 @@
           <a:p>
             <a:fld id="{824AF190-E6C3-4F71-9AD4-820770AEF1A8}" type="datetimeFigureOut">
               <a:rPr lang="zh-CN" altLang="en-US" smtClean="0"/>
-              <a:t>2020/9/22</a:t>
+              <a:t>2020/9/23</a:t>
             </a:fld>
             <a:endParaRPr lang="zh-CN" altLang="en-US"/>
           </a:p>
@@ -3271,7 +3271,7 @@
           <a:p>
             <a:fld id="{824AF190-E6C3-4F71-9AD4-820770AEF1A8}" type="datetimeFigureOut">
               <a:rPr lang="zh-CN" altLang="en-US" smtClean="0"/>
-              <a:t>2020/9/22</a:t>
+              <a:t>2020/9/23</a:t>
             </a:fld>
             <a:endParaRPr lang="zh-CN" altLang="en-US"/>
           </a:p>
@@ -5082,12 +5082,17 @@
             </a:r>
             <a:r>
               <a:rPr lang="zh-CN" altLang="en-US" dirty="0" smtClean="0"/>
-              <a:t>尺寸：</a:t>
+              <a:t>尺寸</a:t>
+            </a:r>
+            <a:r>
+              <a:rPr lang="zh-CN" altLang="en-US" dirty="0" smtClean="0"/>
+              <a:t>：</a:t>
             </a:r>
             <a:r>
               <a:rPr lang="en-US" altLang="zh-CN" dirty="0" smtClean="0"/>
-              <a:t>&gt;=28x28</a:t>
-            </a:r>
+              <a:t>28x28</a:t>
+            </a:r>
+            <a:endParaRPr lang="en-US" altLang="zh-CN" dirty="0" smtClean="0"/>
           </a:p>
           <a:p>
             <a:pPr>
@@ -5331,9 +5336,46 @@
           </a:p>
         </p:txBody>
       </p:sp>
+      <p:sp>
+        <p:nvSpPr>
+          <p:cNvPr id="8" name="矩形 7"/>
+          <p:cNvSpPr/>
+          <p:nvPr/>
+        </p:nvSpPr>
+        <p:spPr>
+          <a:xfrm>
+            <a:off x="641977" y="2702468"/>
+            <a:ext cx="2582245" cy="369332"/>
+          </a:xfrm>
+          <a:prstGeom prst="rect">
+            <a:avLst/>
+          </a:prstGeom>
+        </p:spPr>
+        <p:txBody>
+          <a:bodyPr wrap="none">
+            <a:spAutoFit/>
+          </a:bodyPr>
+          <a:lstStyle/>
+          <a:p>
+            <a:r>
+              <a:rPr lang="en-US" altLang="zh-CN" dirty="0"/>
+              <a:t>4.2.2 </a:t>
+            </a:r>
+            <a:r>
+              <a:rPr lang="en-US" altLang="zh-CN" dirty="0" err="1"/>
+              <a:t>Onnx</a:t>
+            </a:r>
+            <a:r>
+              <a:rPr lang="zh-CN" altLang="en-US" dirty="0"/>
+              <a:t>模型推理测试</a:t>
+            </a:r>
+            <a:endParaRPr lang="en-US" altLang="zh-CN" dirty="0"/>
+          </a:p>
+        </p:txBody>
+      </p:sp>
       <p:pic>
         <p:nvPicPr>
-          <p:cNvPr id="6" name="图片 5"/>
+          <p:cNvPr id="9" name="图片 8"/>
           <p:cNvPicPr>
             <a:picLocks noChangeAspect="1"/>
           </p:cNvPicPr>
@@ -5347,8 +5389,8 @@
         </p:blipFill>
         <p:spPr>
           <a:xfrm>
-            <a:off x="641977" y="1029977"/>
-            <a:ext cx="3618449" cy="1589133"/>
+            <a:off x="641977" y="3071800"/>
+            <a:ext cx="3699730" cy="1302919"/>
           </a:xfrm>
           <a:prstGeom prst="rect">
             <a:avLst/>
@@ -5357,14 +5399,14 @@
       </p:pic>
       <p:sp>
         <p:nvSpPr>
-          <p:cNvPr id="8" name="矩形 7"/>
+          <p:cNvPr id="10" name="矩形 9"/>
           <p:cNvSpPr/>
           <p:nvPr/>
         </p:nvSpPr>
         <p:spPr>
           <a:xfrm>
-            <a:off x="641977" y="2702468"/>
-            <a:ext cx="2582245" cy="369332"/>
+            <a:off x="641977" y="4416466"/>
+            <a:ext cx="3992953" cy="369332"/>
           </a:xfrm>
           <a:prstGeom prst="rect">
             <a:avLst/>
@@ -5378,7 +5420,15 @@
           <a:p>
             <a:r>
               <a:rPr lang="en-US" altLang="zh-CN" dirty="0"/>
-              <a:t>4.2.2 </a:t>
+              <a:t>4.2.3 </a:t>
+            </a:r>
+            <a:r>
+              <a:rPr lang="en-US" altLang="zh-CN" dirty="0" err="1"/>
+              <a:t>Pytorch</a:t>
+            </a:r>
+            <a:r>
+              <a:rPr lang="zh-CN" altLang="en-US" dirty="0"/>
+              <a:t>与</a:t>
             </a:r>
             <a:r>
               <a:rPr lang="en-US" altLang="zh-CN" dirty="0" err="1"/>
@@ -5386,7 +5436,7 @@
             </a:r>
             <a:r>
               <a:rPr lang="zh-CN" altLang="en-US" dirty="0"/>
-              <a:t>模型推理测试</a:t>
+              <a:t>模型推理结果比较</a:t>
             </a:r>
             <a:endParaRPr lang="en-US" altLang="zh-CN" dirty="0"/>
           </a:p>
@@ -5394,7 +5444,7 @@
       </p:sp>
       <p:pic>
         <p:nvPicPr>
-          <p:cNvPr id="9" name="图片 8"/>
+          <p:cNvPr id="11" name="图片 10"/>
           <p:cNvPicPr>
             <a:picLocks noChangeAspect="1"/>
           </p:cNvPicPr>
@@ -5408,62 +5458,17 @@
         </p:blipFill>
         <p:spPr>
           <a:xfrm>
-            <a:off x="641977" y="3071800"/>
-            <a:ext cx="3699730" cy="1302919"/>
+            <a:off x="641977" y="4785798"/>
+            <a:ext cx="5850432" cy="273882"/>
           </a:xfrm>
           <a:prstGeom prst="rect">
             <a:avLst/>
           </a:prstGeom>
         </p:spPr>
       </p:pic>
-      <p:sp>
-        <p:nvSpPr>
-          <p:cNvPr id="10" name="矩形 9"/>
-          <p:cNvSpPr/>
-          <p:nvPr/>
-        </p:nvSpPr>
-        <p:spPr>
-          <a:xfrm>
-            <a:off x="641977" y="4416466"/>
-            <a:ext cx="3992953" cy="369332"/>
-          </a:xfrm>
-          <a:prstGeom prst="rect">
-            <a:avLst/>
-          </a:prstGeom>
-        </p:spPr>
-        <p:txBody>
-          <a:bodyPr wrap="none">
-            <a:spAutoFit/>
-          </a:bodyPr>
-          <a:lstStyle/>
-          <a:p>
-            <a:r>
-              <a:rPr lang="en-US" altLang="zh-CN" dirty="0"/>
-              <a:t>4.2.3 </a:t>
-            </a:r>
-            <a:r>
-              <a:rPr lang="en-US" altLang="zh-CN" dirty="0" err="1"/>
-              <a:t>Pytorch</a:t>
-            </a:r>
-            <a:r>
-              <a:rPr lang="zh-CN" altLang="en-US" dirty="0"/>
-              <a:t>与</a:t>
-            </a:r>
-            <a:r>
-              <a:rPr lang="en-US" altLang="zh-CN" dirty="0" err="1"/>
-              <a:t>Onnx</a:t>
-            </a:r>
-            <a:r>
-              <a:rPr lang="zh-CN" altLang="en-US" dirty="0"/>
-              <a:t>模型推理结果比较</a:t>
-            </a:r>
-            <a:endParaRPr lang="en-US" altLang="zh-CN" dirty="0"/>
-          </a:p>
-        </p:txBody>
-      </p:sp>
       <p:pic>
         <p:nvPicPr>
-          <p:cNvPr id="11" name="图片 10"/>
+          <p:cNvPr id="2" name="图片 1"/>
           <p:cNvPicPr>
             <a:picLocks noChangeAspect="1"/>
           </p:cNvPicPr>
@@ -5477,8 +5482,8 @@
         </p:blipFill>
         <p:spPr>
           <a:xfrm>
-            <a:off x="641977" y="4785798"/>
-            <a:ext cx="4306363" cy="201598"/>
+            <a:off x="641977" y="996339"/>
+            <a:ext cx="5267854" cy="1739768"/>
           </a:xfrm>
           <a:prstGeom prst="rect">
             <a:avLst/>
@@ -5723,7 +5728,15 @@
             </a:r>
             <a:r>
               <a:rPr lang="zh-CN" altLang="en-US" dirty="0" smtClean="0"/>
-              <a:t>端数值精度存在一定差异</a:t>
+              <a:t>端数值</a:t>
+            </a:r>
+            <a:r>
+              <a:rPr lang="zh-CN" altLang="en-US" dirty="0" smtClean="0"/>
+              <a:t>精度本身存在</a:t>
+            </a:r>
+            <a:r>
+              <a:rPr lang="zh-CN" altLang="en-US" dirty="0" smtClean="0"/>
+              <a:t>一定差异</a:t>
             </a:r>
             <a:endParaRPr lang="zh-CN" altLang="en-US" dirty="0"/>
           </a:p>
@@ -5924,11 +5937,7 @@
             </a:r>
             <a:r>
               <a:rPr lang="zh-CN" altLang="en-US" b="1" dirty="0" smtClean="0"/>
-              <a:t>端推理结果</a:t>
-            </a:r>
-            <a:r>
-              <a:rPr lang="zh-CN" altLang="en-US" b="1" dirty="0" smtClean="0"/>
-              <a:t>对比调试</a:t>
+              <a:t>端推理结果对比调试</a:t>
             </a:r>
             <a:endParaRPr lang="en-US" altLang="zh-CN" b="1" dirty="0" smtClean="0"/>
           </a:p>
@@ -5955,11 +5964,7 @@
             </a:r>
             <a:r>
               <a:rPr lang="zh-CN" altLang="en-US" b="1" dirty="0" smtClean="0"/>
-              <a:t>应用性能</a:t>
-            </a:r>
-            <a:r>
-              <a:rPr lang="zh-CN" altLang="en-US" b="1" dirty="0" smtClean="0"/>
-              <a:t>对比调试</a:t>
+              <a:t>应用性能对比调试</a:t>
             </a:r>
             <a:endParaRPr lang="zh-CN" altLang="en-US" dirty="0"/>
           </a:p>
@@ -6068,11 +6073,7 @@
             </a:r>
             <a:r>
               <a:rPr lang="zh-CN" altLang="en-US" sz="3600" b="1" dirty="0" smtClean="0"/>
-              <a:t>应用性能</a:t>
-            </a:r>
-            <a:r>
-              <a:rPr lang="zh-CN" altLang="en-US" sz="3600" b="1" dirty="0" smtClean="0"/>
-              <a:t>对比调试</a:t>
+              <a:t>应用性能对比调试</a:t>
             </a:r>
             <a:endParaRPr lang="zh-CN" altLang="en-US" sz="3600" dirty="0"/>
           </a:p>
@@ -6370,19 +6371,7 @@
             </a:r>
             <a:r>
               <a:rPr lang="zh-CN" altLang="en-US" dirty="0" smtClean="0"/>
-              <a:t>模型</a:t>
-            </a:r>
-            <a:r>
-              <a:rPr lang="zh-CN" altLang="en-US" dirty="0" smtClean="0"/>
-              <a:t>加载运行优化</a:t>
-            </a:r>
-            <a:r>
-              <a:rPr lang="zh-CN" altLang="en-US" dirty="0" smtClean="0"/>
-              <a:t>配置存在差异（如线程</a:t>
-            </a:r>
-            <a:r>
-              <a:rPr lang="zh-CN" altLang="en-US" dirty="0" smtClean="0"/>
-              <a:t>数、资源使用率）</a:t>
+              <a:t>模型加载运行优化配置存在差异（如线程数、资源使用率）</a:t>
             </a:r>
             <a:endParaRPr lang="en-US" altLang="zh-CN" dirty="0"/>
           </a:p>
@@ -6705,7 +6694,7 @@
         <p:spPr>
           <a:xfrm>
             <a:off x="665018" y="969818"/>
-            <a:ext cx="7169727" cy="2126864"/>
+            <a:ext cx="7169727" cy="3000821"/>
           </a:xfrm>
           <a:prstGeom prst="rect">
             <a:avLst/>
@@ -6732,13 +6721,24 @@
               <a:t>：</a:t>
             </a:r>
             <a:r>
-              <a:rPr lang="en-US" altLang="zh-CN" dirty="0" smtClean="0"/>
+              <a:rPr lang="en-US" altLang="zh-CN" dirty="0" smtClean="0">
+                <a:hlinkClick r:id="rId2"/>
+              </a:rPr>
               <a:t>https</a:t>
             </a:r>
             <a:r>
-              <a:rPr lang="en-US" altLang="zh-CN" dirty="0"/>
-              <a:t>://github.com/Tencent/ncnn</a:t>
-            </a:r>
+              <a:rPr lang="en-US" altLang="zh-CN" dirty="0">
+                <a:hlinkClick r:id="rId2"/>
+              </a:rPr>
+              <a:t>://</a:t>
+            </a:r>
+            <a:r>
+              <a:rPr lang="en-US" altLang="zh-CN" dirty="0" smtClean="0">
+                <a:hlinkClick r:id="rId2"/>
+              </a:rPr>
+              <a:t>github.com/Tencent/ncnn</a:t>
+            </a:r>
+            <a:endParaRPr lang="en-US" altLang="zh-CN" dirty="0" smtClean="0"/>
           </a:p>
           <a:p>
             <a:pPr>
@@ -6747,21 +6747,24 @@
               </a:lnSpc>
             </a:pPr>
             <a:r>
+              <a:rPr lang="en-US" altLang="zh-CN" b="1" dirty="0" err="1"/>
+              <a:t>o</a:t>
+            </a:r>
+            <a:r>
               <a:rPr lang="en-US" altLang="zh-CN" b="1" dirty="0" err="1" smtClean="0"/>
-              <a:t>Protobuf</a:t>
+              <a:t>pencv</a:t>
             </a:r>
             <a:r>
               <a:rPr lang="zh-CN" altLang="en-US" dirty="0" smtClean="0"/>
               <a:t>：</a:t>
             </a:r>
             <a:r>
-              <a:rPr lang="en-US" altLang="zh-CN" dirty="0" smtClean="0"/>
-              <a:t>https</a:t>
-            </a:r>
-            <a:r>
-              <a:rPr lang="en-US" altLang="zh-CN" dirty="0"/>
-              <a:t>://github.com/protocolbuffers/protobuf</a:t>
-            </a:r>
+              <a:rPr lang="en-US" altLang="zh-CN" dirty="0">
+                <a:hlinkClick r:id="rId3"/>
+              </a:rPr>
+              <a:t>https://opencv.org/</a:t>
+            </a:r>
+            <a:endParaRPr lang="en-US" altLang="zh-CN" dirty="0"/>
           </a:p>
           <a:p>
             <a:pPr>
@@ -6770,21 +6773,36 @@
               </a:lnSpc>
             </a:pPr>
             <a:r>
+              <a:rPr lang="en-US" altLang="zh-CN" b="1" dirty="0" err="1"/>
+              <a:t>p</a:t>
+            </a:r>
+            <a:r>
               <a:rPr lang="en-US" altLang="zh-CN" b="1" dirty="0" err="1" smtClean="0"/>
-              <a:t>VulKan</a:t>
-            </a:r>
-            <a:r>
-              <a:rPr lang="zh-CN" altLang="en-US" b="1" dirty="0" smtClean="0"/>
+              <a:t>rotobuf</a:t>
+            </a:r>
+            <a:r>
+              <a:rPr lang="zh-CN" altLang="en-US" dirty="0" smtClean="0"/>
               <a:t>：</a:t>
             </a:r>
             <a:r>
-              <a:rPr lang="en-US" altLang="zh-CN" dirty="0" smtClean="0"/>
+              <a:rPr lang="en-US" altLang="zh-CN" dirty="0" smtClean="0">
+                <a:hlinkClick r:id="rId4"/>
+              </a:rPr>
               <a:t>https</a:t>
             </a:r>
             <a:r>
-              <a:rPr lang="en-US" altLang="zh-CN" dirty="0"/>
-              <a:t>://sdk.lunarg.com/</a:t>
-            </a:r>
+              <a:rPr lang="en-US" altLang="zh-CN" dirty="0">
+                <a:hlinkClick r:id="rId4"/>
+              </a:rPr>
+              <a:t>://</a:t>
+            </a:r>
+            <a:r>
+              <a:rPr lang="en-US" altLang="zh-CN" dirty="0" smtClean="0">
+                <a:hlinkClick r:id="rId4"/>
+              </a:rPr>
+              <a:t>github.com/protocolbuffers/protobuf</a:t>
+            </a:r>
+            <a:endParaRPr lang="en-US" altLang="zh-CN" dirty="0" smtClean="0"/>
           </a:p>
           <a:p>
             <a:pPr>
@@ -6793,22 +6811,26 @@
               </a:lnSpc>
             </a:pPr>
             <a:r>
-              <a:rPr lang="en-US" altLang="zh-CN" b="1" dirty="0" err="1" smtClean="0"/>
-              <a:t>Pytorch</a:t>
-            </a:r>
-            <a:r>
-              <a:rPr lang="zh-CN" altLang="en-US" b="1" dirty="0" smtClean="0"/>
-              <a:t>训练到</a:t>
-            </a:r>
-            <a:r>
-              <a:rPr lang="en-US" altLang="zh-CN" b="1" dirty="0" smtClean="0"/>
-              <a:t>NCNN</a:t>
-            </a:r>
-            <a:r>
-              <a:rPr lang="zh-CN" altLang="en-US" b="1" dirty="0" smtClean="0"/>
-              <a:t>部署实例详解：</a:t>
-            </a:r>
-            <a:endParaRPr lang="en-US" altLang="zh-CN" b="1" dirty="0" smtClean="0"/>
+              <a:rPr lang="en-US" altLang="zh-CN" b="1" dirty="0" err="1"/>
+              <a:t>vulKan</a:t>
+            </a:r>
+            <a:r>
+              <a:rPr lang="zh-CN" altLang="en-US" b="1" dirty="0"/>
+              <a:t>：</a:t>
+            </a:r>
+            <a:r>
+              <a:rPr lang="en-US" altLang="zh-CN" dirty="0">
+                <a:hlinkClick r:id="rId5"/>
+              </a:rPr>
+              <a:t>https://sdk.lunarg.com</a:t>
+            </a:r>
+            <a:r>
+              <a:rPr lang="en-US" altLang="zh-CN" dirty="0" smtClean="0">
+                <a:hlinkClick r:id="rId5"/>
+              </a:rPr>
+              <a:t>/</a:t>
+            </a:r>
+            <a:endParaRPr lang="en-US" altLang="zh-CN" dirty="0" smtClean="0"/>
           </a:p>
           <a:p>
             <a:pPr>
@@ -6817,14 +6839,60 @@
               </a:lnSpc>
             </a:pPr>
             <a:r>
-              <a:rPr lang="en-US" altLang="zh-CN" dirty="0" smtClean="0"/>
+              <a:rPr lang="en-US" altLang="zh-CN" b="1" dirty="0" err="1"/>
+              <a:t>Pytorch</a:t>
+            </a:r>
+            <a:r>
+              <a:rPr lang="zh-CN" altLang="en-US" b="1" dirty="0"/>
+              <a:t>训练到</a:t>
+            </a:r>
+            <a:r>
+              <a:rPr lang="en-US" altLang="zh-CN" b="1" dirty="0"/>
+              <a:t>NCNN</a:t>
+            </a:r>
+            <a:r>
+              <a:rPr lang="zh-CN" altLang="en-US" b="1" dirty="0"/>
+              <a:t>部署实例详解</a:t>
+            </a:r>
+            <a:r>
+              <a:rPr lang="zh-CN" altLang="en-US" b="1" dirty="0" smtClean="0"/>
+              <a:t>：</a:t>
+            </a:r>
+            <a:endParaRPr lang="en-US" altLang="zh-CN" dirty="0"/>
+          </a:p>
+          <a:p>
+            <a:pPr>
+              <a:lnSpc>
+                <a:spcPct val="150000"/>
+              </a:lnSpc>
+            </a:pPr>
+            <a:r>
+              <a:rPr lang="en-US" altLang="zh-CN" dirty="0" smtClean="0">
+                <a:hlinkClick r:id="rId6"/>
+              </a:rPr>
               <a:t>https</a:t>
             </a:r>
             <a:r>
-              <a:rPr lang="en-US" altLang="zh-CN" dirty="0"/>
-              <a:t>://blog.csdn.net/qq_38109843/article/details/104433933</a:t>
-            </a:r>
-            <a:endParaRPr lang="zh-CN" altLang="en-US" dirty="0"/>
+              <a:rPr lang="en-US" altLang="zh-CN" dirty="0">
+                <a:hlinkClick r:id="rId6"/>
+              </a:rPr>
+              <a:t>://</a:t>
+            </a:r>
+            <a:r>
+              <a:rPr lang="en-US" altLang="zh-CN" dirty="0" smtClean="0">
+                <a:hlinkClick r:id="rId6"/>
+              </a:rPr>
+              <a:t>blog.csdn.net/qq_38109843/article/details/104433933</a:t>
+            </a:r>
+            <a:endParaRPr lang="en-US" altLang="zh-CN" dirty="0"/>
+          </a:p>
+          <a:p>
+            <a:pPr>
+              <a:lnSpc>
+                <a:spcPct val="150000"/>
+              </a:lnSpc>
+            </a:pPr>
+            <a:endParaRPr lang="en-US" altLang="zh-CN" dirty="0" smtClean="0"/>
           </a:p>
         </p:txBody>
       </p:sp>
@@ -6838,13 +6906,13 @@
   <p:clrMapOvr>
     <a:masterClrMapping/>
   </p:clrMapOvr>
-  <mc:AlternateContent xmlns:mc="http://schemas.openxmlformats.org/markup-compatibility/2006">
-    <mc:Choice xmlns:p14="http://schemas.microsoft.com/office/powerpoint/2010/main" Requires="p14">
+  <mc:AlternateContent xmlns:mc="http://schemas.openxmlformats.org/markup-compatibility/2006" xmlns:p14="http://schemas.microsoft.com/office/powerpoint/2010/main">
+    <mc:Choice Requires="p14">
       <p:transition spd="med" p14:dur="700" advClick="0" advTm="0">
         <p:fade/>
       </p:transition>
     </mc:Choice>
-    <mc:Fallback>
+    <mc:Fallback xmlns="">
       <p:transition spd="med" advClick="0" advTm="0">
         <p:fade/>
       </p:transition>
@@ -7655,7 +7723,7 @@
       </p:sp>
       <p:pic>
         <p:nvPicPr>
-          <p:cNvPr id="6" name="图片 5"/>
+          <p:cNvPr id="7" name="图片 6"/>
           <p:cNvPicPr>
             <a:picLocks noChangeAspect="1"/>
           </p:cNvPicPr>
@@ -7669,8 +7737,8 @@
         </p:blipFill>
         <p:spPr>
           <a:xfrm>
-            <a:off x="457201" y="1920478"/>
-            <a:ext cx="4889630" cy="3122294"/>
+            <a:off x="457200" y="928645"/>
+            <a:ext cx="6017682" cy="503200"/>
           </a:xfrm>
           <a:prstGeom prst="rect">
             <a:avLst/>
@@ -7679,7 +7747,7 @@
       </p:pic>
       <p:pic>
         <p:nvPicPr>
-          <p:cNvPr id="7" name="图片 6"/>
+          <p:cNvPr id="5" name="图片 4"/>
           <p:cNvPicPr>
             <a:picLocks noChangeAspect="1"/>
           </p:cNvPicPr>
@@ -7693,8 +7761,8 @@
         </p:blipFill>
         <p:spPr>
           <a:xfrm>
-            <a:off x="457200" y="928645"/>
-            <a:ext cx="6017682" cy="503200"/>
+            <a:off x="457201" y="1892047"/>
+            <a:ext cx="6654800" cy="3149878"/>
           </a:xfrm>
           <a:prstGeom prst="rect">
             <a:avLst/>
@@ -7962,7 +8030,6 @@
               <a:rPr lang="zh-CN" altLang="en-US" dirty="0"/>
               <a:t>相关依赖库</a:t>
             </a:r>
-            <a:endParaRPr lang="zh-CN" altLang="en-US" dirty="0"/>
           </a:p>
         </p:txBody>
       </p:sp>
@@ -8222,7 +8289,7 @@
       </p:sp>
       <p:pic>
         <p:nvPicPr>
-          <p:cNvPr id="7" name="图片 6"/>
+          <p:cNvPr id="8" name="图片 7"/>
           <p:cNvPicPr>
             <a:picLocks noChangeAspect="1"/>
           </p:cNvPicPr>
@@ -8236,8 +8303,8 @@
         </p:blipFill>
         <p:spPr>
           <a:xfrm>
-            <a:off x="522182" y="2949100"/>
-            <a:ext cx="7362825" cy="685800"/>
+            <a:off x="522182" y="974810"/>
+            <a:ext cx="3514725" cy="1343025"/>
           </a:xfrm>
           <a:prstGeom prst="rect">
             <a:avLst/>
@@ -8246,7 +8313,7 @@
       </p:pic>
       <p:pic>
         <p:nvPicPr>
-          <p:cNvPr id="8" name="图片 7"/>
+          <p:cNvPr id="2" name="图片 1"/>
           <p:cNvPicPr>
             <a:picLocks noChangeAspect="1"/>
           </p:cNvPicPr>
@@ -8260,8 +8327,8 @@
         </p:blipFill>
         <p:spPr>
           <a:xfrm>
-            <a:off x="522182" y="974810"/>
-            <a:ext cx="3514725" cy="1343025"/>
+            <a:off x="522181" y="3782733"/>
+            <a:ext cx="8435415" cy="254174"/>
           </a:xfrm>
           <a:prstGeom prst="rect">
             <a:avLst/>
@@ -8270,7 +8337,7 @@
       </p:pic>
       <p:pic>
         <p:nvPicPr>
-          <p:cNvPr id="2" name="图片 1"/>
+          <p:cNvPr id="6" name="图片 5"/>
           <p:cNvPicPr>
             <a:picLocks noChangeAspect="1"/>
           </p:cNvPicPr>
@@ -8284,8 +8351,8 @@
         </p:blipFill>
         <p:spPr>
           <a:xfrm>
-            <a:off x="522181" y="3782733"/>
-            <a:ext cx="8435415" cy="254174"/>
+            <a:off x="522181" y="2893800"/>
+            <a:ext cx="7343775" cy="762000"/>
           </a:xfrm>
           <a:prstGeom prst="rect">
             <a:avLst/>
